--- a/cmsc125/ostep/slides/02.Concurrency/27.Interlude_Thread_API.pptx
+++ b/cmsc125/ostep/slides/02.Concurrency/27.Interlude_Thread_API.pptx
@@ -258,7 +258,7 @@
           <a:p>
             <a:fld id="{050F0499-AE52-4672-879B-3107B2FC2A9F}" type="datetimeFigureOut">
               <a:rPr lang="ko-KR" altLang="en-US" smtClean="0"/>
-              <a:t>2021-07-21</a:t>
+              <a:t>2021-11-16</a:t>
             </a:fld>
             <a:endParaRPr lang="ko-KR" altLang="en-US"/>
           </a:p>
@@ -2632,10 +2632,6 @@
               </a:rPr>
               <a:t>de-allocated</a:t>
             </a:r>
-            <a:r>
-              <a:rPr lang="en-US" altLang="ko-KR" dirty="0"/>
-              <a:t>.</a:t>
-            </a:r>
             <a:endParaRPr lang="ko-KR" altLang="en-US" dirty="0"/>
           </a:p>
         </p:txBody>
@@ -4372,7 +4368,7 @@
                   </a:schemeClr>
                 </a:solidFill>
               </a:rPr>
-              <a:t>enter the critical section.</a:t>
+              <a:t>enter the critical section</a:t>
             </a:r>
           </a:p>
           <a:p>
@@ -4847,10 +4843,7 @@
               </a:rPr>
               <a:t>properly initialized</a:t>
             </a:r>
-            <a:r>
-              <a:rPr lang="en-US" altLang="ko-KR" dirty="0"/>
-              <a:t>.</a:t>
-            </a:r>
+            <a:endParaRPr lang="en-US" altLang="ko-KR" dirty="0"/>
           </a:p>
           <a:p>
             <a:pPr lvl="1"/>
@@ -6444,7 +6437,7 @@
             </a:r>
             <a:r>
               <a:rPr lang="en-US" altLang="ko-KR" dirty="0"/>
-              <a:t> must take place between threads.</a:t>
+              <a:t> must take place between threads</a:t>
             </a:r>
           </a:p>
           <a:p>
@@ -6473,14 +6466,14 @@
             <a:pPr lvl="2"/>
             <a:r>
               <a:rPr lang="en-US" altLang="ko-KR" dirty="0"/>
-              <a:t>Put the calling thread to sleep.</a:t>
+              <a:t>Put the calling thread to sleep</a:t>
             </a:r>
           </a:p>
           <a:p>
             <a:pPr lvl="2"/>
             <a:r>
               <a:rPr lang="en-US" altLang="ko-KR" dirty="0"/>
-              <a:t>Wait for some other thread to signal it.</a:t>
+              <a:t>Wait for some other thread to signal it</a:t>
             </a:r>
           </a:p>
           <a:p>
@@ -6884,7 +6877,7 @@
             </a:r>
             <a:r>
               <a:rPr lang="en-US" altLang="ko-KR" dirty="0"/>
-              <a:t>when putting said caller to sleep.</a:t>
+              <a:t>when putting said caller to sleep</a:t>
             </a:r>
           </a:p>
           <a:p>
@@ -6903,10 +6896,7 @@
               </a:rPr>
               <a:t>re-acquire the lock</a:t>
             </a:r>
-            <a:r>
-              <a:rPr lang="en-US" altLang="ko-KR" dirty="0"/>
-              <a:t>.</a:t>
-            </a:r>
+            <a:endParaRPr lang="en-US" altLang="ko-KR" dirty="0"/>
           </a:p>
           <a:p>
             <a:r>
@@ -7428,7 +7418,7 @@
             </a:r>
             <a:r>
               <a:rPr lang="en-US" altLang="ko-KR" dirty="0"/>
-              <a:t>, instead of a simple if statement.</a:t>
+              <a:t>, instead of a simple if statement</a:t>
             </a:r>
           </a:p>
           <a:p>
@@ -7453,10 +7443,7 @@
               <a:rPr lang="en-US" altLang="ko-KR" i="1" u="sng" dirty="0"/>
               <a:t>even though it has not</a:t>
             </a:r>
-            <a:r>
-              <a:rPr lang="en-US" altLang="ko-KR" dirty="0"/>
-              <a:t>.</a:t>
-            </a:r>
+            <a:endParaRPr lang="en-US" altLang="ko-KR" dirty="0"/>
           </a:p>
           <a:p>
             <a:pPr lvl="1"/>
@@ -8872,7 +8859,7 @@
             </a:r>
             <a:r>
               <a:rPr lang="en-US" altLang="ko-KR" dirty="0"/>
-              <a:t>: Used to interact with this thread.</a:t>
+              <a:t>: Used to interact with this thread</a:t>
             </a:r>
           </a:p>
           <a:p>
@@ -8897,7 +8884,7 @@
             </a:r>
             <a:r>
               <a:rPr lang="en-US" altLang="ko-KR" dirty="0"/>
-              <a:t> Used to specify any attributes this thread might have.</a:t>
+              <a:t> Used to specify any attributes this thread might have</a:t>
             </a:r>
           </a:p>
           <a:p>
@@ -8923,7 +8910,7 @@
             </a:r>
             <a:r>
               <a:rPr lang="en-US" altLang="ko-KR" dirty="0"/>
-              <a:t>: the function this thread start running in.</a:t>
+              <a:t>: the function this thread start running in</a:t>
             </a:r>
           </a:p>
           <a:p>
@@ -8972,7 +8959,7 @@
             </a:r>
             <a:r>
               <a:rPr lang="en-US" altLang="ko-KR" dirty="0"/>
-              <a:t>argument.</a:t>
+              <a:t>argument</a:t>
             </a:r>
           </a:p>
           <a:p>
@@ -11303,7 +11290,7 @@
             </a:r>
             <a:r>
               <a:rPr lang="en-US" altLang="ko-KR" dirty="0"/>
-              <a:t> to that value.</a:t>
+              <a:t> to that value</a:t>
             </a:r>
           </a:p>
         </p:txBody>

--- a/cmsc125/ostep/slides/02.Concurrency/27.Interlude_Thread_API.pptx
+++ b/cmsc125/ostep/slides/02.Concurrency/27.Interlude_Thread_API.pptx
@@ -258,7 +258,7 @@
           <a:p>
             <a:fld id="{050F0499-AE52-4672-879B-3107B2FC2A9F}" type="datetimeFigureOut">
               <a:rPr lang="ko-KR" altLang="en-US" smtClean="0"/>
-              <a:t>2021-11-16</a:t>
+              <a:t>2021-11-18</a:t>
             </a:fld>
             <a:endParaRPr lang="ko-KR" altLang="en-US"/>
           </a:p>
@@ -4398,7 +4398,7 @@
               <a:rPr lang="en-US" altLang="ko-KR" dirty="0">
                 <a:sym typeface="Wingdings" panose="05000000000000000000" pitchFamily="2" charset="2"/>
               </a:rPr>
-              <a:t> until it has acquired the lock.</a:t>
+              <a:t> until it has acquired the lock</a:t>
             </a:r>
             <a:endParaRPr lang="en-US" altLang="ko-KR" dirty="0"/>
           </a:p>
@@ -5231,41 +5231,6 @@
           <a:p>
             <a:endParaRPr lang="en-US" altLang="ko-KR" dirty="0"/>
           </a:p>
-          <a:p>
-            <a:r>
-              <a:rPr lang="en-US" altLang="ko-KR" dirty="0"/>
-              <a:t>These two calls are used in lock acquisition</a:t>
-            </a:r>
-          </a:p>
-          <a:p>
-            <a:endParaRPr lang="en-US" altLang="ko-KR" dirty="0"/>
-          </a:p>
-          <a:p>
-            <a:endParaRPr lang="en-US" altLang="ko-KR" dirty="0"/>
-          </a:p>
-          <a:p>
-            <a:pPr lvl="1"/>
-            <a:r>
-              <a:rPr lang="en-US" altLang="ko-KR" dirty="0" err="1"/>
-              <a:t>trylock</a:t>
-            </a:r>
-            <a:r>
-              <a:rPr lang="en-US" altLang="ko-KR" dirty="0"/>
-              <a:t>: return failure if the lock is already held</a:t>
-            </a:r>
-          </a:p>
-          <a:p>
-            <a:pPr lvl="1"/>
-            <a:r>
-              <a:rPr lang="en-US" altLang="ko-KR" dirty="0" err="1"/>
-              <a:t>timelock</a:t>
-            </a:r>
-            <a:r>
-              <a:rPr lang="en-US" altLang="ko-KR" dirty="0"/>
-              <a:t>: return after a timeout</a:t>
-            </a:r>
-            <a:endParaRPr lang="ko-KR" altLang="en-US" dirty="0"/>
-          </a:p>
         </p:txBody>
       </p:sp>
       <p:sp>
@@ -5601,315 +5566,6 @@
                 <a:cs typeface="Courier New" pitchFamily="49" charset="0"/>
               </a:rPr>
               <a:t> }</a:t>
-            </a:r>
-          </a:p>
-        </p:txBody>
-      </p:sp>
-      <p:sp>
-        <p:nvSpPr>
-          <p:cNvPr id="7" name="TextBox 6"/>
-          <p:cNvSpPr txBox="1"/>
-          <p:nvPr/>
-        </p:nvSpPr>
-        <p:spPr>
-          <a:xfrm>
-            <a:off x="2266256" y="4437113"/>
-            <a:ext cx="7790184" cy="830997"/>
-          </a:xfrm>
-          <a:prstGeom prst="rect">
-            <a:avLst/>
-          </a:prstGeom>
-          <a:noFill/>
-          <a:ln>
-            <a:solidFill>
-              <a:schemeClr val="tx1"/>
-            </a:solidFill>
-          </a:ln>
-        </p:spPr>
-        <p:txBody>
-          <a:bodyPr wrap="square" rtlCol="0">
-            <a:spAutoFit/>
-          </a:bodyPr>
-          <a:lstStyle/>
-          <a:p>
-            <a:r>
-              <a:rPr lang="en-US" altLang="ko-KR" sz="1600" dirty="0">
-                <a:solidFill>
-                  <a:prstClr val="black"/>
-                </a:solidFill>
-                <a:latin typeface="Courier New" pitchFamily="49" charset="0"/>
-                <a:ea typeface="맑은 고딕" pitchFamily="50" charset="-127"/>
-                <a:cs typeface="Courier New" pitchFamily="49" charset="0"/>
-              </a:rPr>
-              <a:t> </a:t>
-            </a:r>
-            <a:r>
-              <a:rPr lang="en-US" altLang="ko-KR" sz="1600" dirty="0" err="1">
-                <a:solidFill>
-                  <a:srgbClr val="00B050"/>
-                </a:solidFill>
-                <a:latin typeface="Courier New" pitchFamily="49" charset="0"/>
-                <a:ea typeface="맑은 고딕" pitchFamily="50" charset="-127"/>
-                <a:cs typeface="Courier New" pitchFamily="49" charset="0"/>
-              </a:rPr>
-              <a:t>int</a:t>
-            </a:r>
-            <a:r>
-              <a:rPr lang="en-US" altLang="ko-KR" sz="1600" dirty="0">
-                <a:solidFill>
-                  <a:prstClr val="black"/>
-                </a:solidFill>
-                <a:latin typeface="Courier New" pitchFamily="49" charset="0"/>
-                <a:ea typeface="맑은 고딕" pitchFamily="50" charset="-127"/>
-                <a:cs typeface="Courier New" pitchFamily="49" charset="0"/>
-              </a:rPr>
-              <a:t> </a:t>
-            </a:r>
-            <a:r>
-              <a:rPr lang="en-US" altLang="ko-KR" sz="1600" dirty="0" err="1">
-                <a:solidFill>
-                  <a:prstClr val="black"/>
-                </a:solidFill>
-                <a:latin typeface="Courier New" pitchFamily="49" charset="0"/>
-                <a:ea typeface="맑은 고딕" pitchFamily="50" charset="-127"/>
-                <a:cs typeface="Courier New" pitchFamily="49" charset="0"/>
-              </a:rPr>
-              <a:t>pthread_mutex_trylock</a:t>
-            </a:r>
-            <a:r>
-              <a:rPr lang="en-US" altLang="ko-KR" sz="1600" dirty="0">
-                <a:solidFill>
-                  <a:prstClr val="black"/>
-                </a:solidFill>
-                <a:latin typeface="Courier New" pitchFamily="49" charset="0"/>
-                <a:ea typeface="맑은 고딕" pitchFamily="50" charset="-127"/>
-                <a:cs typeface="Courier New" pitchFamily="49" charset="0"/>
-              </a:rPr>
-              <a:t>(</a:t>
-            </a:r>
-            <a:r>
-              <a:rPr lang="en-US" altLang="ko-KR" sz="1600" dirty="0" err="1">
-                <a:solidFill>
-                  <a:prstClr val="black"/>
-                </a:solidFill>
-                <a:latin typeface="Courier New" pitchFamily="49" charset="0"/>
-                <a:ea typeface="맑은 고딕" pitchFamily="50" charset="-127"/>
-                <a:cs typeface="Courier New" pitchFamily="49" charset="0"/>
-              </a:rPr>
-              <a:t>pthread_mutex_t</a:t>
-            </a:r>
-            <a:r>
-              <a:rPr lang="en-US" altLang="ko-KR" sz="1600" dirty="0">
-                <a:solidFill>
-                  <a:prstClr val="black"/>
-                </a:solidFill>
-                <a:latin typeface="Courier New" pitchFamily="49" charset="0"/>
-                <a:ea typeface="맑은 고딕" pitchFamily="50" charset="-127"/>
-                <a:cs typeface="Courier New" pitchFamily="49" charset="0"/>
-              </a:rPr>
-              <a:t> *</a:t>
-            </a:r>
-            <a:r>
-              <a:rPr lang="en-US" altLang="ko-KR" sz="1600" dirty="0" err="1">
-                <a:solidFill>
-                  <a:prstClr val="black"/>
-                </a:solidFill>
-                <a:latin typeface="Courier New" pitchFamily="49" charset="0"/>
-                <a:ea typeface="맑은 고딕" pitchFamily="50" charset="-127"/>
-                <a:cs typeface="Courier New" pitchFamily="49" charset="0"/>
-              </a:rPr>
-              <a:t>mutex</a:t>
-            </a:r>
-            <a:r>
-              <a:rPr lang="en-US" altLang="ko-KR" sz="1600" dirty="0">
-                <a:solidFill>
-                  <a:prstClr val="black"/>
-                </a:solidFill>
-                <a:latin typeface="Courier New" pitchFamily="49" charset="0"/>
-                <a:ea typeface="맑은 고딕" pitchFamily="50" charset="-127"/>
-                <a:cs typeface="Courier New" pitchFamily="49" charset="0"/>
-              </a:rPr>
-              <a:t>);</a:t>
-            </a:r>
-          </a:p>
-          <a:p>
-            <a:r>
-              <a:rPr lang="en-US" altLang="ko-KR" sz="1600" dirty="0">
-                <a:solidFill>
-                  <a:prstClr val="black"/>
-                </a:solidFill>
-                <a:latin typeface="Courier New" pitchFamily="49" charset="0"/>
-                <a:ea typeface="맑은 고딕" pitchFamily="50" charset="-127"/>
-                <a:cs typeface="Courier New" pitchFamily="49" charset="0"/>
-              </a:rPr>
-              <a:t> </a:t>
-            </a:r>
-            <a:r>
-              <a:rPr lang="en-US" altLang="ko-KR" sz="1600" dirty="0" err="1">
-                <a:solidFill>
-                  <a:srgbClr val="00B050"/>
-                </a:solidFill>
-                <a:latin typeface="Courier New" pitchFamily="49" charset="0"/>
-                <a:ea typeface="맑은 고딕" pitchFamily="50" charset="-127"/>
-                <a:cs typeface="Courier New" pitchFamily="49" charset="0"/>
-              </a:rPr>
-              <a:t>int</a:t>
-            </a:r>
-            <a:r>
-              <a:rPr lang="en-US" altLang="ko-KR" sz="1600" dirty="0">
-                <a:solidFill>
-                  <a:prstClr val="black"/>
-                </a:solidFill>
-                <a:latin typeface="Courier New" pitchFamily="49" charset="0"/>
-                <a:ea typeface="맑은 고딕" pitchFamily="50" charset="-127"/>
-                <a:cs typeface="Courier New" pitchFamily="49" charset="0"/>
-              </a:rPr>
-              <a:t> </a:t>
-            </a:r>
-            <a:r>
-              <a:rPr lang="en-US" altLang="ko-KR" sz="1600" dirty="0" err="1">
-                <a:solidFill>
-                  <a:prstClr val="black"/>
-                </a:solidFill>
-                <a:latin typeface="Courier New" pitchFamily="49" charset="0"/>
-                <a:ea typeface="맑은 고딕" pitchFamily="50" charset="-127"/>
-                <a:cs typeface="Courier New" pitchFamily="49" charset="0"/>
-              </a:rPr>
-              <a:t>pthread_mutex_timelock</a:t>
-            </a:r>
-            <a:r>
-              <a:rPr lang="en-US" altLang="ko-KR" sz="1600" dirty="0">
-                <a:solidFill>
-                  <a:prstClr val="black"/>
-                </a:solidFill>
-                <a:latin typeface="Courier New" pitchFamily="49" charset="0"/>
-                <a:ea typeface="맑은 고딕" pitchFamily="50" charset="-127"/>
-                <a:cs typeface="Courier New" pitchFamily="49" charset="0"/>
-              </a:rPr>
-              <a:t>(</a:t>
-            </a:r>
-            <a:r>
-              <a:rPr lang="en-US" altLang="ko-KR" sz="1600" dirty="0" err="1">
-                <a:solidFill>
-                  <a:prstClr val="black"/>
-                </a:solidFill>
-                <a:latin typeface="Courier New" pitchFamily="49" charset="0"/>
-                <a:ea typeface="맑은 고딕" pitchFamily="50" charset="-127"/>
-                <a:cs typeface="Courier New" pitchFamily="49" charset="0"/>
-              </a:rPr>
-              <a:t>pthread_mutex_t</a:t>
-            </a:r>
-            <a:r>
-              <a:rPr lang="en-US" altLang="ko-KR" sz="1600" dirty="0">
-                <a:solidFill>
-                  <a:prstClr val="black"/>
-                </a:solidFill>
-                <a:latin typeface="Courier New" pitchFamily="49" charset="0"/>
-                <a:ea typeface="맑은 고딕" pitchFamily="50" charset="-127"/>
-                <a:cs typeface="Courier New" pitchFamily="49" charset="0"/>
-              </a:rPr>
-              <a:t> *</a:t>
-            </a:r>
-            <a:r>
-              <a:rPr lang="en-US" altLang="ko-KR" sz="1600" dirty="0" err="1">
-                <a:solidFill>
-                  <a:prstClr val="black"/>
-                </a:solidFill>
-                <a:latin typeface="Courier New" pitchFamily="49" charset="0"/>
-                <a:ea typeface="맑은 고딕" pitchFamily="50" charset="-127"/>
-                <a:cs typeface="Courier New" pitchFamily="49" charset="0"/>
-              </a:rPr>
-              <a:t>mutex</a:t>
-            </a:r>
-            <a:r>
-              <a:rPr lang="en-US" altLang="ko-KR" sz="1600" dirty="0">
-                <a:solidFill>
-                  <a:prstClr val="black"/>
-                </a:solidFill>
-                <a:latin typeface="Courier New" pitchFamily="49" charset="0"/>
-                <a:ea typeface="맑은 고딕" pitchFamily="50" charset="-127"/>
-                <a:cs typeface="Courier New" pitchFamily="49" charset="0"/>
-              </a:rPr>
-              <a:t>,</a:t>
-            </a:r>
-          </a:p>
-          <a:p>
-            <a:r>
-              <a:rPr lang="en-US" altLang="ko-KR" sz="1600" dirty="0">
-                <a:solidFill>
-                  <a:prstClr val="black"/>
-                </a:solidFill>
-                <a:latin typeface="Courier New" pitchFamily="49" charset="0"/>
-                <a:ea typeface="맑은 고딕" pitchFamily="50" charset="-127"/>
-                <a:cs typeface="Courier New" pitchFamily="49" charset="0"/>
-              </a:rPr>
-              <a:t>                            </a:t>
-            </a:r>
-            <a:r>
-              <a:rPr lang="en-US" altLang="ko-KR" sz="1600" dirty="0" err="1">
-                <a:solidFill>
-                  <a:prstClr val="black"/>
-                </a:solidFill>
-                <a:latin typeface="Courier New" pitchFamily="49" charset="0"/>
-                <a:ea typeface="맑은 고딕" pitchFamily="50" charset="-127"/>
-                <a:cs typeface="Courier New" pitchFamily="49" charset="0"/>
-              </a:rPr>
-              <a:t>struct</a:t>
-            </a:r>
-            <a:r>
-              <a:rPr lang="en-US" altLang="ko-KR" sz="1600" dirty="0">
-                <a:solidFill>
-                  <a:prstClr val="black"/>
-                </a:solidFill>
-                <a:latin typeface="Courier New" pitchFamily="49" charset="0"/>
-                <a:ea typeface="맑은 고딕" pitchFamily="50" charset="-127"/>
-                <a:cs typeface="Courier New" pitchFamily="49" charset="0"/>
-              </a:rPr>
-              <a:t> </a:t>
-            </a:r>
-            <a:r>
-              <a:rPr lang="en-US" altLang="ko-KR" sz="1600" dirty="0" err="1">
-                <a:solidFill>
-                  <a:prstClr val="black"/>
-                </a:solidFill>
-                <a:latin typeface="Courier New" pitchFamily="49" charset="0"/>
-                <a:ea typeface="맑은 고딕" pitchFamily="50" charset="-127"/>
-                <a:cs typeface="Courier New" pitchFamily="49" charset="0"/>
-              </a:rPr>
-              <a:t>timespec</a:t>
-            </a:r>
-            <a:r>
-              <a:rPr lang="en-US" altLang="ko-KR" sz="1600" dirty="0">
-                <a:solidFill>
-                  <a:prstClr val="black"/>
-                </a:solidFill>
-                <a:latin typeface="Courier New" pitchFamily="49" charset="0"/>
-                <a:ea typeface="맑은 고딕" pitchFamily="50" charset="-127"/>
-                <a:cs typeface="Courier New" pitchFamily="49" charset="0"/>
-              </a:rPr>
-              <a:t> *</a:t>
-            </a:r>
-            <a:r>
-              <a:rPr lang="en-US" altLang="ko-KR" sz="1600" dirty="0" err="1">
-                <a:solidFill>
-                  <a:prstClr val="black"/>
-                </a:solidFill>
-                <a:latin typeface="Courier New" pitchFamily="49" charset="0"/>
-                <a:ea typeface="맑은 고딕" pitchFamily="50" charset="-127"/>
-                <a:cs typeface="Courier New" pitchFamily="49" charset="0"/>
-              </a:rPr>
-              <a:t>abs_timeout</a:t>
-            </a:r>
-            <a:r>
-              <a:rPr lang="en-US" altLang="ko-KR" sz="1600" dirty="0">
-                <a:solidFill>
-                  <a:prstClr val="black"/>
-                </a:solidFill>
-                <a:latin typeface="Courier New" pitchFamily="49" charset="0"/>
-                <a:ea typeface="맑은 고딕" pitchFamily="50" charset="-127"/>
-                <a:cs typeface="Courier New" pitchFamily="49" charset="0"/>
-              </a:rPr>
-              <a:t>);</a:t>
             </a:r>
           </a:p>
         </p:txBody>
@@ -8025,7 +7681,7 @@
           <a:p>
             <a:r>
               <a:rPr lang="en-US" altLang="ko-KR" dirty="0"/>
-              <a:t>Don’t ever to this.</a:t>
+              <a:t>Don’t ever to this</a:t>
             </a:r>
           </a:p>
           <a:p>
@@ -8067,7 +7723,7 @@
               <a:rPr lang="en-US" altLang="ko-KR" dirty="0">
                 <a:sym typeface="Wingdings" panose="05000000000000000000" pitchFamily="2" charset="2"/>
               </a:rPr>
-              <a:t> just wastes CPU cycles.</a:t>
+              <a:t> just wastes CPU cycles</a:t>
             </a:r>
           </a:p>
           <a:p>
@@ -8076,7 +7732,7 @@
               <a:rPr lang="en-US" altLang="ko-KR" dirty="0">
                 <a:sym typeface="Wingdings" panose="05000000000000000000" pitchFamily="2" charset="2"/>
               </a:rPr>
-              <a:t>It is error prone.</a:t>
+              <a:t>It is error prone</a:t>
             </a:r>
             <a:endParaRPr lang="en-US" altLang="ko-KR" dirty="0"/>
           </a:p>
